--- a/Reportar Resultados.pptx
+++ b/Reportar Resultados.pptx
@@ -199,7 +199,7 @@
           <a:p>
             <a:fld id="{AA52D490-736B-5644-9B15-41941FE26F7A}" type="datetimeFigureOut">
               <a:rPr lang="es-CO" smtClean="0"/>
-              <a:t>2/04/24</a:t>
+              <a:t>5/04/24</a:t>
             </a:fld>
             <a:endParaRPr lang="es-CO"/>
           </a:p>
@@ -616,7 +616,7 @@
           <a:p>
             <a:fld id="{47B7D093-73D6-AF43-9D16-CD5B7D153F36}" type="datetime2">
               <a:rPr lang="es-CO" smtClean="0"/>
-              <a:t>martes, 2 de abril de 2024</a:t>
+              <a:t>viernes, 5 de abril de 2024</a:t>
             </a:fld>
             <a:endParaRPr lang="es-CO"/>
           </a:p>
@@ -816,7 +816,7 @@
           <a:p>
             <a:fld id="{15AF25D3-2457-2A49-8D41-624C72DA6973}" type="datetime2">
               <a:rPr lang="es-CO" smtClean="0"/>
-              <a:t>martes, 2 de abril de 2024</a:t>
+              <a:t>viernes, 5 de abril de 2024</a:t>
             </a:fld>
             <a:endParaRPr lang="es-CO"/>
           </a:p>
@@ -1026,7 +1026,7 @@
           <a:p>
             <a:fld id="{19855C16-4F9C-CA4B-8E89-837AF9933CE7}" type="datetime2">
               <a:rPr lang="es-CO" smtClean="0"/>
-              <a:t>martes, 2 de abril de 2024</a:t>
+              <a:t>viernes, 5 de abril de 2024</a:t>
             </a:fld>
             <a:endParaRPr lang="es-CO"/>
           </a:p>
@@ -1226,7 +1226,7 @@
           <a:p>
             <a:fld id="{8CEFD85A-542E-FD46-A656-6E6DDC74B37B}" type="datetime2">
               <a:rPr lang="es-CO" smtClean="0"/>
-              <a:t>martes, 2 de abril de 2024</a:t>
+              <a:t>viernes, 5 de abril de 2024</a:t>
             </a:fld>
             <a:endParaRPr lang="es-CO"/>
           </a:p>
@@ -1502,7 +1502,7 @@
           <a:p>
             <a:fld id="{7778A5A6-BDB8-8340-B80C-9819A07E14E1}" type="datetime2">
               <a:rPr lang="es-CO" smtClean="0"/>
-              <a:t>martes, 2 de abril de 2024</a:t>
+              <a:t>viernes, 5 de abril de 2024</a:t>
             </a:fld>
             <a:endParaRPr lang="es-CO"/>
           </a:p>
@@ -1770,7 +1770,7 @@
           <a:p>
             <a:fld id="{3553649E-9278-EB4F-ADF2-873A6B18FD90}" type="datetime2">
               <a:rPr lang="es-CO" smtClean="0"/>
-              <a:t>martes, 2 de abril de 2024</a:t>
+              <a:t>viernes, 5 de abril de 2024</a:t>
             </a:fld>
             <a:endParaRPr lang="es-CO"/>
           </a:p>
@@ -2185,7 +2185,7 @@
           <a:p>
             <a:fld id="{AFB8532B-83A1-8645-8672-2E80E6CF6B3C}" type="datetime2">
               <a:rPr lang="es-CO" smtClean="0"/>
-              <a:t>martes, 2 de abril de 2024</a:t>
+              <a:t>viernes, 5 de abril de 2024</a:t>
             </a:fld>
             <a:endParaRPr lang="es-CO"/>
           </a:p>
@@ -2327,7 +2327,7 @@
           <a:p>
             <a:fld id="{024FEFDC-415E-A549-A780-B49672973B15}" type="datetime2">
               <a:rPr lang="es-CO" smtClean="0"/>
-              <a:t>martes, 2 de abril de 2024</a:t>
+              <a:t>viernes, 5 de abril de 2024</a:t>
             </a:fld>
             <a:endParaRPr lang="es-CO"/>
           </a:p>
@@ -2440,7 +2440,7 @@
           <a:p>
             <a:fld id="{EF779F0C-2E0C-BC47-8032-E5517B335E05}" type="datetime2">
               <a:rPr lang="es-CO" smtClean="0"/>
-              <a:t>martes, 2 de abril de 2024</a:t>
+              <a:t>viernes, 5 de abril de 2024</a:t>
             </a:fld>
             <a:endParaRPr lang="es-CO"/>
           </a:p>
@@ -2753,7 +2753,7 @@
           <a:p>
             <a:fld id="{1FB30965-42AF-1E40-B7D1-BF6ADED03E41}" type="datetime2">
               <a:rPr lang="es-CO" smtClean="0"/>
-              <a:t>martes, 2 de abril de 2024</a:t>
+              <a:t>viernes, 5 de abril de 2024</a:t>
             </a:fld>
             <a:endParaRPr lang="es-CO"/>
           </a:p>
@@ -3042,7 +3042,7 @@
           <a:p>
             <a:fld id="{1EE53262-4ADB-0D4C-B9E4-0EEFA056146E}" type="datetime2">
               <a:rPr lang="es-CO" smtClean="0"/>
-              <a:t>martes, 2 de abril de 2024</a:t>
+              <a:t>viernes, 5 de abril de 2024</a:t>
             </a:fld>
             <a:endParaRPr lang="es-CO"/>
           </a:p>
@@ -3285,7 +3285,7 @@
           <a:p>
             <a:fld id="{2AAC6A77-5D02-AB45-9A64-F509EBFFD927}" type="datetime2">
               <a:rPr lang="es-CO" smtClean="0"/>
-              <a:t>martes, 2 de abril de 2024</a:t>
+              <a:t>viernes, 5 de abril de 2024</a:t>
             </a:fld>
             <a:endParaRPr lang="es-CO"/>
           </a:p>
@@ -3937,7 +3937,7 @@
                   <a:schemeClr val="accent1"/>
                 </a:solidFill>
               </a:rPr>
-              <a:t>martes, 2 de abril de 2024</a:t>
+              <a:t>viernes, 5 de abril de 2024</a:t>
             </a:fld>
             <a:endParaRPr lang="es-CO" sz="2000" b="1" dirty="0">
               <a:solidFill>
@@ -4468,14 +4468,14 @@
           <p:nvPr>
             <p:extLst>
               <p:ext uri="{D42A27DB-BD31-4B8C-83A1-F6EECF244321}">
-                <p14:modId xmlns:p14="http://schemas.microsoft.com/office/powerpoint/2010/main" val="2786091154"/>
+                <p14:modId xmlns:p14="http://schemas.microsoft.com/office/powerpoint/2010/main" val="4099194022"/>
               </p:ext>
             </p:extLst>
           </p:nvPr>
         </p:nvGraphicFramePr>
         <p:xfrm>
-          <a:off x="7048658" y="1659584"/>
-          <a:ext cx="4572000" cy="3886200"/>
+          <a:off x="6996106" y="1733156"/>
+          <a:ext cx="2768004" cy="4023360"/>
         </p:xfrm>
         <a:graphic>
           <a:graphicData uri="http://schemas.openxmlformats.org/drawingml/2006/table">
@@ -4484,14 +4484,14 @@
                 <a:tableStyleId>{5C22544A-7EE6-4342-B048-85BDC9FD1C3A}</a:tableStyleId>
               </a:tblPr>
               <a:tblGrid>
-                <a:gridCol w="2286000">
+                <a:gridCol w="454080">
                   <a:extLst>
                     <a:ext uri="{9D8B030D-6E8A-4147-A177-3AD203B41FA5}">
                       <a16:colId xmlns:a16="http://schemas.microsoft.com/office/drawing/2014/main" val="20000"/>
                     </a:ext>
                   </a:extLst>
                 </a:gridCol>
-                <a:gridCol w="2286000">
+                <a:gridCol w="2313924">
                   <a:extLst>
                     <a:ext uri="{9D8B030D-6E8A-4147-A177-3AD203B41FA5}">
                       <a16:colId xmlns:a16="http://schemas.microsoft.com/office/drawing/2014/main" val="20001"/>
@@ -4506,7 +4506,7 @@
                     <a:lstStyle/>
                     <a:p>
                       <a:r>
-                        <a:rPr sz="1100"/>
+                        <a:rPr sz="1050"/>
                         <a:t>id</a:t>
                       </a:r>
                     </a:p>
@@ -4519,7 +4519,7 @@
                     <a:lstStyle/>
                     <a:p>
                       <a:r>
-                        <a:rPr sz="1100"/>
+                        <a:rPr sz="1050"/>
                         <a:t>Día</a:t>
                       </a:r>
                     </a:p>
@@ -4539,7 +4539,7 @@
                     <a:lstStyle/>
                     <a:p>
                       <a:r>
-                        <a:rPr sz="1100"/>
+                        <a:rPr sz="1050"/>
                         <a:t>0</a:t>
                       </a:r>
                     </a:p>
@@ -4552,8 +4552,8 @@
                     <a:lstStyle/>
                     <a:p>
                       <a:r>
-                        <a:rPr sz="1100"/>
-                        <a:t>2024-04-02</a:t>
+                        <a:rPr sz="1050"/>
+                        <a:t>2024-04-01</a:t>
                       </a:r>
                     </a:p>
                   </a:txBody>
@@ -4572,7 +4572,7 @@
                     <a:lstStyle/>
                     <a:p>
                       <a:r>
-                        <a:rPr sz="1100"/>
+                        <a:rPr sz="1050"/>
                         <a:t>1</a:t>
                       </a:r>
                     </a:p>
@@ -4585,8 +4585,8 @@
                     <a:lstStyle/>
                     <a:p>
                       <a:r>
-                        <a:rPr sz="1100"/>
-                        <a:t>2024-04-07</a:t>
+                        <a:rPr sz="1050"/>
+                        <a:t>2024-04-02</a:t>
                       </a:r>
                     </a:p>
                   </a:txBody>
@@ -4605,7 +4605,7 @@
                     <a:lstStyle/>
                     <a:p>
                       <a:r>
-                        <a:rPr sz="1100"/>
+                        <a:rPr sz="1050"/>
                         <a:t>2</a:t>
                       </a:r>
                     </a:p>
@@ -4618,8 +4618,8 @@
                     <a:lstStyle/>
                     <a:p>
                       <a:r>
-                        <a:rPr sz="1100"/>
-                        <a:t>2024-04-08</a:t>
+                        <a:rPr sz="1050"/>
+                        <a:t>2024-04-03</a:t>
                       </a:r>
                     </a:p>
                   </a:txBody>
@@ -4638,7 +4638,7 @@
                     <a:lstStyle/>
                     <a:p>
                       <a:r>
-                        <a:rPr sz="1100"/>
+                        <a:rPr sz="1050"/>
                         <a:t>3</a:t>
                       </a:r>
                     </a:p>
@@ -4651,8 +4651,8 @@
                     <a:lstStyle/>
                     <a:p>
                       <a:r>
-                        <a:rPr sz="1100"/>
-                        <a:t>2024-04-09</a:t>
+                        <a:rPr sz="1050"/>
+                        <a:t>2024-04-04</a:t>
                       </a:r>
                     </a:p>
                   </a:txBody>
@@ -4671,7 +4671,7 @@
                     <a:lstStyle/>
                     <a:p>
                       <a:r>
-                        <a:rPr sz="1100"/>
+                        <a:rPr sz="1050"/>
                         <a:t>4</a:t>
                       </a:r>
                     </a:p>
@@ -4684,8 +4684,8 @@
                     <a:lstStyle/>
                     <a:p>
                       <a:r>
-                        <a:rPr sz="1100"/>
-                        <a:t>2024-04-10</a:t>
+                        <a:rPr sz="1050"/>
+                        <a:t>2024-04-05</a:t>
                       </a:r>
                     </a:p>
                   </a:txBody>
@@ -4704,7 +4704,7 @@
                     <a:lstStyle/>
                     <a:p>
                       <a:r>
-                        <a:rPr sz="1100"/>
+                        <a:rPr sz="1050"/>
                         <a:t>5</a:t>
                       </a:r>
                     </a:p>
@@ -4717,8 +4717,8 @@
                     <a:lstStyle/>
                     <a:p>
                       <a:r>
-                        <a:rPr sz="1100"/>
-                        <a:t>2024-04-11</a:t>
+                        <a:rPr sz="1050"/>
+                        <a:t>2024-04-07</a:t>
                       </a:r>
                     </a:p>
                   </a:txBody>
@@ -4737,7 +4737,7 @@
                     <a:lstStyle/>
                     <a:p>
                       <a:r>
-                        <a:rPr sz="1100"/>
+                        <a:rPr sz="1050"/>
                         <a:t>6</a:t>
                       </a:r>
                     </a:p>
@@ -4750,8 +4750,8 @@
                     <a:lstStyle/>
                     <a:p>
                       <a:r>
-                        <a:rPr sz="1100"/>
-                        <a:t>2024-04-12</a:t>
+                        <a:rPr sz="1050"/>
+                        <a:t>2024-04-14</a:t>
                       </a:r>
                     </a:p>
                   </a:txBody>
@@ -4770,7 +4770,7 @@
                     <a:lstStyle/>
                     <a:p>
                       <a:r>
-                        <a:rPr sz="1100"/>
+                        <a:rPr sz="1050"/>
                         <a:t>7</a:t>
                       </a:r>
                     </a:p>
@@ -4783,8 +4783,8 @@
                     <a:lstStyle/>
                     <a:p>
                       <a:r>
-                        <a:rPr sz="1100"/>
-                        <a:t>2024-04-13</a:t>
+                        <a:rPr sz="1050"/>
+                        <a:t>2024-04-15</a:t>
                       </a:r>
                     </a:p>
                   </a:txBody>
@@ -4803,7 +4803,7 @@
                     <a:lstStyle/>
                     <a:p>
                       <a:r>
-                        <a:rPr sz="1100"/>
+                        <a:rPr sz="1050"/>
                         <a:t>8</a:t>
                       </a:r>
                     </a:p>
@@ -4816,8 +4816,8 @@
                     <a:lstStyle/>
                     <a:p>
                       <a:r>
-                        <a:rPr sz="1100"/>
-                        <a:t>2024-04-14</a:t>
+                        <a:rPr sz="1050"/>
+                        <a:t>2024-04-16</a:t>
                       </a:r>
                     </a:p>
                   </a:txBody>
@@ -4836,7 +4836,7 @@
                     <a:lstStyle/>
                     <a:p>
                       <a:r>
-                        <a:rPr sz="1100"/>
+                        <a:rPr sz="1050"/>
                         <a:t>9</a:t>
                       </a:r>
                     </a:p>
@@ -4849,8 +4849,8 @@
                     <a:lstStyle/>
                     <a:p>
                       <a:r>
-                        <a:rPr sz="1100"/>
-                        <a:t>2024-04-15</a:t>
+                        <a:rPr sz="1050"/>
+                        <a:t>2024-04-18</a:t>
                       </a:r>
                     </a:p>
                   </a:txBody>
@@ -4869,7 +4869,7 @@
                     <a:lstStyle/>
                     <a:p>
                       <a:r>
-                        <a:rPr sz="1100"/>
+                        <a:rPr sz="1050"/>
                         <a:t>10</a:t>
                       </a:r>
                     </a:p>
@@ -4882,8 +4882,8 @@
                     <a:lstStyle/>
                     <a:p>
                       <a:r>
-                        <a:rPr sz="1100"/>
-                        <a:t>2024-04-16</a:t>
+                        <a:rPr sz="1050"/>
+                        <a:t>2024-04-20</a:t>
                       </a:r>
                     </a:p>
                   </a:txBody>
@@ -4902,7 +4902,7 @@
                     <a:lstStyle/>
                     <a:p>
                       <a:r>
-                        <a:rPr sz="1100"/>
+                        <a:rPr sz="1050"/>
                         <a:t>11</a:t>
                       </a:r>
                     </a:p>
@@ -4915,8 +4915,8 @@
                     <a:lstStyle/>
                     <a:p>
                       <a:r>
-                        <a:rPr sz="1100"/>
-                        <a:t>2024-04-22</a:t>
+                        <a:rPr sz="1050"/>
+                        <a:t>2024-04-21</a:t>
                       </a:r>
                     </a:p>
                   </a:txBody>
@@ -4935,7 +4935,7 @@
                     <a:lstStyle/>
                     <a:p>
                       <a:r>
-                        <a:rPr sz="1100"/>
+                        <a:rPr sz="1050"/>
                         <a:t>12</a:t>
                       </a:r>
                     </a:p>
@@ -4948,7 +4948,7 @@
                     <a:lstStyle/>
                     <a:p>
                       <a:r>
-                        <a:rPr sz="1100"/>
+                        <a:rPr sz="1050"/>
                         <a:t>2024-04-25</a:t>
                       </a:r>
                     </a:p>
@@ -4968,7 +4968,7 @@
                     <a:lstStyle/>
                     <a:p>
                       <a:r>
-                        <a:rPr sz="1100"/>
+                        <a:rPr sz="1050"/>
                         <a:t>13</a:t>
                       </a:r>
                     </a:p>
@@ -4981,7 +4981,7 @@
                     <a:lstStyle/>
                     <a:p>
                       <a:r>
-                        <a:rPr sz="1100" dirty="0"/>
+                        <a:rPr sz="1050"/>
                         <a:t>2024-04-26</a:t>
                       </a:r>
                     </a:p>
@@ -4994,10 +4994,174 @@
                   </a:ext>
                 </a:extLst>
               </a:tr>
+              <a:tr h="0">
+                <a:tc>
+                  <a:txBody>
+                    <a:bodyPr/>
+                    <a:lstStyle/>
+                    <a:p>
+                      <a:r>
+                        <a:rPr sz="1050"/>
+                        <a:t>14</a:t>
+                      </a:r>
+                    </a:p>
+                  </a:txBody>
+                  <a:tcPr/>
+                </a:tc>
+                <a:tc>
+                  <a:txBody>
+                    <a:bodyPr/>
+                    <a:lstStyle/>
+                    <a:p>
+                      <a:r>
+                        <a:rPr sz="1050" dirty="0"/>
+                        <a:t>2024-04-27</a:t>
+                      </a:r>
+                    </a:p>
+                  </a:txBody>
+                  <a:tcPr/>
+                </a:tc>
+                <a:extLst>
+                  <a:ext uri="{0D108BD9-81ED-4DB2-BD59-A6C34878D82A}">
+                    <a16:rowId xmlns:a16="http://schemas.microsoft.com/office/drawing/2014/main" val="10015"/>
+                  </a:ext>
+                </a:extLst>
+              </a:tr>
             </a:tbl>
           </a:graphicData>
         </a:graphic>
       </p:graphicFrame>
+      <p:sp>
+        <p:nvSpPr>
+          <p:cNvPr id="4" name="CuadroTexto 3">
+            <a:extLst>
+              <a:ext uri="{FF2B5EF4-FFF2-40B4-BE49-F238E27FC236}">
+                <a16:creationId xmlns:a16="http://schemas.microsoft.com/office/drawing/2014/main" id="{D0995EF0-EF10-8AB5-007F-4BBBD07061DB}"/>
+              </a:ext>
+            </a:extLst>
+          </p:cNvPr>
+          <p:cNvSpPr txBox="1"/>
+          <p:nvPr/>
+        </p:nvSpPr>
+        <p:spPr>
+          <a:xfrm>
+            <a:off x="9848194" y="2785240"/>
+            <a:ext cx="2228192" cy="830997"/>
+          </a:xfrm>
+          <a:prstGeom prst="rect">
+            <a:avLst/>
+          </a:prstGeom>
+          <a:noFill/>
+        </p:spPr>
+        <p:txBody>
+          <a:bodyPr wrap="square" rtlCol="0">
+            <a:spAutoFit/>
+          </a:bodyPr>
+          <a:lstStyle/>
+          <a:p>
+            <a:r>
+              <a:rPr lang="es-CO" sz="1200" dirty="0"/>
+              <a:t>La probabilidad que sea pico es baja pues ya hay datos reales con valores mayores.   </a:t>
+            </a:r>
+            <a:r>
+              <a:rPr lang="es-CO" sz="1200" dirty="0">
+                <a:highlight>
+                  <a:srgbClr val="FFFF00"/>
+                </a:highlight>
+              </a:rPr>
+              <a:t>Se sugiere clasificar como NO PICO</a:t>
+            </a:r>
+          </a:p>
+        </p:txBody>
+      </p:sp>
+      <p:sp>
+        <p:nvSpPr>
+          <p:cNvPr id="7" name="CuadroTexto 6">
+            <a:extLst>
+              <a:ext uri="{FF2B5EF4-FFF2-40B4-BE49-F238E27FC236}">
+                <a16:creationId xmlns:a16="http://schemas.microsoft.com/office/drawing/2014/main" id="{F4963740-EE62-67BD-C677-A09B06C3934B}"/>
+              </a:ext>
+            </a:extLst>
+          </p:cNvPr>
+          <p:cNvSpPr txBox="1"/>
+          <p:nvPr/>
+        </p:nvSpPr>
+        <p:spPr>
+          <a:xfrm>
+            <a:off x="1938874" y="2398915"/>
+            <a:ext cx="1891721" cy="461665"/>
+          </a:xfrm>
+          <a:prstGeom prst="rect">
+            <a:avLst/>
+          </a:prstGeom>
+          <a:noFill/>
+          <a:ln>
+            <a:solidFill>
+              <a:schemeClr val="accent4"/>
+            </a:solidFill>
+          </a:ln>
+        </p:spPr>
+        <p:txBody>
+          <a:bodyPr wrap="square" rtlCol="0">
+            <a:spAutoFit/>
+          </a:bodyPr>
+          <a:lstStyle/>
+          <a:p>
+            <a:r>
+              <a:rPr lang="es-CO" sz="1200" b="1" dirty="0">
+                <a:highlight>
+                  <a:srgbClr val="FFFF00"/>
+                </a:highlight>
+                <a:latin typeface="Calibri" panose="020F0502020204030204" pitchFamily="34" charset="0"/>
+                <a:cs typeface="Calibri" panose="020F0502020204030204" pitchFamily="34" charset="0"/>
+              </a:rPr>
+              <a:t>Pico de baja probabilidad.  Clasificar como NO PICO</a:t>
+            </a:r>
+          </a:p>
+        </p:txBody>
+      </p:sp>
+      <p:cxnSp>
+        <p:nvCxnSpPr>
+          <p:cNvPr id="11" name="Conector recto de flecha 10">
+            <a:extLst>
+              <a:ext uri="{FF2B5EF4-FFF2-40B4-BE49-F238E27FC236}">
+                <a16:creationId xmlns:a16="http://schemas.microsoft.com/office/drawing/2014/main" id="{C4080C1C-1AC6-EEB8-7D4D-0698E5A703E2}"/>
+              </a:ext>
+            </a:extLst>
+          </p:cNvPr>
+          <p:cNvCxnSpPr/>
+          <p:nvPr/>
+        </p:nvCxnSpPr>
+        <p:spPr>
+          <a:xfrm flipH="1">
+            <a:off x="1681655" y="2680138"/>
+            <a:ext cx="283779" cy="420414"/>
+          </a:xfrm>
+          <a:prstGeom prst="straightConnector1">
+            <a:avLst/>
+          </a:prstGeom>
+          <a:ln w="38100">
+            <a:solidFill>
+              <a:srgbClr val="FFC000"/>
+            </a:solidFill>
+            <a:tailEnd type="triangle"/>
+          </a:ln>
+        </p:spPr>
+        <p:style>
+          <a:lnRef idx="2">
+            <a:schemeClr val="accent4"/>
+          </a:lnRef>
+          <a:fillRef idx="0">
+            <a:schemeClr val="accent4"/>
+          </a:fillRef>
+          <a:effectRef idx="1">
+            <a:schemeClr val="accent4"/>
+          </a:effectRef>
+          <a:fontRef idx="minor">
+            <a:schemeClr val="tx1"/>
+          </a:fontRef>
+        </p:style>
+      </p:cxnSp>
       <p:sp>
         <p:nvSpPr>
           <p:cNvPr id="31" name="Marcador de fecha 1">
@@ -5031,7 +5195,7 @@
                   <a:schemeClr val="accent1"/>
                 </a:solidFill>
               </a:rPr>
-              <a:t>martes, 2 de abril de 2024</a:t>
+              <a:t>viernes, 5 de abril de 2024</a:t>
             </a:fld>
             <a:endParaRPr lang="es-CO" sz="2000" b="1" dirty="0">
               <a:solidFill>
@@ -5338,7 +5502,7 @@
           <a:p>
             <a:fld id="{7F50A7A6-BAC4-7148-BB61-0C0209A17E32}" type="datetime2">
               <a:rPr lang="es-CO" smtClean="0"/>
-              <a:t>martes, 2 de abril de 2024</a:t>
+              <a:t>viernes, 5 de abril de 2024</a:t>
             </a:fld>
             <a:endParaRPr lang="es-CO" dirty="0"/>
           </a:p>
